--- a/doc/images/project-structure-new-project.pptx
+++ b/doc/images/project-structure-new-project.pptx
@@ -288,7 +288,8 @@
           <a:p>
             <a:fld id="{464958D0-047A-4B5C-B600-9D705598A485}" type="datetimeFigureOut">
               <a:rPr lang="en-US" smtClean="0"/>
-              <a:t>12/10/2023</a:t>
+              <a:pPr/>
+              <a:t>12/18/2023</a:t>
             </a:fld>
             <a:endParaRPr lang="en-US"/>
           </a:p>
@@ -330,6 +331,7 @@
           <a:p>
             <a:fld id="{8C2A2864-06FB-4F8A-BB0D-DBB9F86FB9AC}" type="slidenum">
               <a:rPr lang="en-US" smtClean="0"/>
+              <a:pPr/>
               <a:t>‹#›</a:t>
             </a:fld>
             <a:endParaRPr lang="en-US"/>
@@ -453,7 +455,8 @@
           <a:p>
             <a:fld id="{464958D0-047A-4B5C-B600-9D705598A485}" type="datetimeFigureOut">
               <a:rPr lang="en-US" smtClean="0"/>
-              <a:t>12/10/2023</a:t>
+              <a:pPr/>
+              <a:t>12/18/2023</a:t>
             </a:fld>
             <a:endParaRPr lang="en-US"/>
           </a:p>
@@ -495,6 +498,7 @@
           <a:p>
             <a:fld id="{8C2A2864-06FB-4F8A-BB0D-DBB9F86FB9AC}" type="slidenum">
               <a:rPr lang="en-US" smtClean="0"/>
+              <a:pPr/>
               <a:t>‹#›</a:t>
             </a:fld>
             <a:endParaRPr lang="en-US"/>
@@ -628,7 +632,8 @@
           <a:p>
             <a:fld id="{464958D0-047A-4B5C-B600-9D705598A485}" type="datetimeFigureOut">
               <a:rPr lang="en-US" smtClean="0"/>
-              <a:t>12/10/2023</a:t>
+              <a:pPr/>
+              <a:t>12/18/2023</a:t>
             </a:fld>
             <a:endParaRPr lang="en-US"/>
           </a:p>
@@ -670,6 +675,7 @@
           <a:p>
             <a:fld id="{8C2A2864-06FB-4F8A-BB0D-DBB9F86FB9AC}" type="slidenum">
               <a:rPr lang="en-US" smtClean="0"/>
+              <a:pPr/>
               <a:t>‹#›</a:t>
             </a:fld>
             <a:endParaRPr lang="en-US"/>
@@ -793,7 +799,8 @@
           <a:p>
             <a:fld id="{464958D0-047A-4B5C-B600-9D705598A485}" type="datetimeFigureOut">
               <a:rPr lang="en-US" smtClean="0"/>
-              <a:t>12/10/2023</a:t>
+              <a:pPr/>
+              <a:t>12/18/2023</a:t>
             </a:fld>
             <a:endParaRPr lang="en-US"/>
           </a:p>
@@ -835,6 +842,7 @@
           <a:p>
             <a:fld id="{8C2A2864-06FB-4F8A-BB0D-DBB9F86FB9AC}" type="slidenum">
               <a:rPr lang="en-US" smtClean="0"/>
+              <a:pPr/>
               <a:t>‹#›</a:t>
             </a:fld>
             <a:endParaRPr lang="en-US"/>
@@ -1034,7 +1042,8 @@
           <a:p>
             <a:fld id="{464958D0-047A-4B5C-B600-9D705598A485}" type="datetimeFigureOut">
               <a:rPr lang="en-US" smtClean="0"/>
-              <a:t>12/10/2023</a:t>
+              <a:pPr/>
+              <a:t>12/18/2023</a:t>
             </a:fld>
             <a:endParaRPr lang="en-US"/>
           </a:p>
@@ -1076,6 +1085,7 @@
           <a:p>
             <a:fld id="{8C2A2864-06FB-4F8A-BB0D-DBB9F86FB9AC}" type="slidenum">
               <a:rPr lang="en-US" smtClean="0"/>
+              <a:pPr/>
               <a:t>‹#›</a:t>
             </a:fld>
             <a:endParaRPr lang="en-US"/>
@@ -1317,7 +1327,8 @@
           <a:p>
             <a:fld id="{464958D0-047A-4B5C-B600-9D705598A485}" type="datetimeFigureOut">
               <a:rPr lang="en-US" smtClean="0"/>
-              <a:t>12/10/2023</a:t>
+              <a:pPr/>
+              <a:t>12/18/2023</a:t>
             </a:fld>
             <a:endParaRPr lang="en-US"/>
           </a:p>
@@ -1359,6 +1370,7 @@
           <a:p>
             <a:fld id="{8C2A2864-06FB-4F8A-BB0D-DBB9F86FB9AC}" type="slidenum">
               <a:rPr lang="en-US" smtClean="0"/>
+              <a:pPr/>
               <a:t>‹#›</a:t>
             </a:fld>
             <a:endParaRPr lang="en-US"/>
@@ -1734,7 +1746,8 @@
           <a:p>
             <a:fld id="{464958D0-047A-4B5C-B600-9D705598A485}" type="datetimeFigureOut">
               <a:rPr lang="en-US" smtClean="0"/>
-              <a:t>12/10/2023</a:t>
+              <a:pPr/>
+              <a:t>12/18/2023</a:t>
             </a:fld>
             <a:endParaRPr lang="en-US"/>
           </a:p>
@@ -1776,6 +1789,7 @@
           <a:p>
             <a:fld id="{8C2A2864-06FB-4F8A-BB0D-DBB9F86FB9AC}" type="slidenum">
               <a:rPr lang="en-US" smtClean="0"/>
+              <a:pPr/>
               <a:t>‹#›</a:t>
             </a:fld>
             <a:endParaRPr lang="en-US"/>
@@ -1847,7 +1861,8 @@
           <a:p>
             <a:fld id="{464958D0-047A-4B5C-B600-9D705598A485}" type="datetimeFigureOut">
               <a:rPr lang="en-US" smtClean="0"/>
-              <a:t>12/10/2023</a:t>
+              <a:pPr/>
+              <a:t>12/18/2023</a:t>
             </a:fld>
             <a:endParaRPr lang="en-US"/>
           </a:p>
@@ -1889,6 +1904,7 @@
           <a:p>
             <a:fld id="{8C2A2864-06FB-4F8A-BB0D-DBB9F86FB9AC}" type="slidenum">
               <a:rPr lang="en-US" smtClean="0"/>
+              <a:pPr/>
               <a:t>‹#›</a:t>
             </a:fld>
             <a:endParaRPr lang="en-US"/>
@@ -1937,7 +1953,8 @@
           <a:p>
             <a:fld id="{464958D0-047A-4B5C-B600-9D705598A485}" type="datetimeFigureOut">
               <a:rPr lang="en-US" smtClean="0"/>
-              <a:t>12/10/2023</a:t>
+              <a:pPr/>
+              <a:t>12/18/2023</a:t>
             </a:fld>
             <a:endParaRPr lang="en-US"/>
           </a:p>
@@ -1979,6 +1996,7 @@
           <a:p>
             <a:fld id="{8C2A2864-06FB-4F8A-BB0D-DBB9F86FB9AC}" type="slidenum">
               <a:rPr lang="en-US" smtClean="0"/>
+              <a:pPr/>
               <a:t>‹#›</a:t>
             </a:fld>
             <a:endParaRPr lang="en-US"/>
@@ -2209,7 +2227,8 @@
           <a:p>
             <a:fld id="{464958D0-047A-4B5C-B600-9D705598A485}" type="datetimeFigureOut">
               <a:rPr lang="en-US" smtClean="0"/>
-              <a:t>12/10/2023</a:t>
+              <a:pPr/>
+              <a:t>12/18/2023</a:t>
             </a:fld>
             <a:endParaRPr lang="en-US"/>
           </a:p>
@@ -2251,6 +2270,7 @@
           <a:p>
             <a:fld id="{8C2A2864-06FB-4F8A-BB0D-DBB9F86FB9AC}" type="slidenum">
               <a:rPr lang="en-US" smtClean="0"/>
+              <a:pPr/>
               <a:t>‹#›</a:t>
             </a:fld>
             <a:endParaRPr lang="en-US"/>
@@ -2457,7 +2477,8 @@
           <a:p>
             <a:fld id="{464958D0-047A-4B5C-B600-9D705598A485}" type="datetimeFigureOut">
               <a:rPr lang="en-US" smtClean="0"/>
-              <a:t>12/10/2023</a:t>
+              <a:pPr/>
+              <a:t>12/18/2023</a:t>
             </a:fld>
             <a:endParaRPr lang="en-US"/>
           </a:p>
@@ -2499,6 +2520,7 @@
           <a:p>
             <a:fld id="{8C2A2864-06FB-4F8A-BB0D-DBB9F86FB9AC}" type="slidenum">
               <a:rPr lang="en-US" smtClean="0"/>
+              <a:pPr/>
               <a:t>‹#›</a:t>
             </a:fld>
             <a:endParaRPr lang="en-US"/>
@@ -2665,7 +2687,8 @@
           <a:p>
             <a:fld id="{464958D0-047A-4B5C-B600-9D705598A485}" type="datetimeFigureOut">
               <a:rPr lang="en-US" smtClean="0"/>
-              <a:t>12/10/2023</a:t>
+              <a:pPr/>
+              <a:t>12/18/2023</a:t>
             </a:fld>
             <a:endParaRPr lang="en-US"/>
           </a:p>
@@ -2743,6 +2766,7 @@
           <a:p>
             <a:fld id="{8C2A2864-06FB-4F8A-BB0D-DBB9F86FB9AC}" type="slidenum">
               <a:rPr lang="en-US" smtClean="0"/>
+              <a:pPr/>
               <a:t>‹#›</a:t>
             </a:fld>
             <a:endParaRPr lang="en-US"/>
@@ -3087,7 +3111,7 @@
         <p:spPr>
           <a:xfrm>
             <a:off x="2133600" y="609600"/>
-            <a:ext cx="1066800" cy="394138"/>
+            <a:ext cx="2286000" cy="394138"/>
           </a:xfrm>
           <a:prstGeom prst="rect">
             <a:avLst/>
@@ -3120,7 +3144,15 @@
             </a:r>
             <a:r>
               <a:rPr lang="en-US" sz="1500" dirty="0" smtClean="0"/>
-              <a:t>-debug</a:t>
+              <a:t>-</a:t>
+            </a:r>
+            <a:r>
+              <a:rPr lang="en-US" sz="1500" dirty="0" err="1" smtClean="0"/>
+              <a:t>BareMetal</a:t>
+            </a:r>
+            <a:r>
+              <a:rPr lang="en-US" sz="1500" dirty="0" smtClean="0"/>
+              <a:t>-Debug</a:t>
             </a:r>
             <a:endParaRPr lang="en-US" sz="1500" dirty="0"/>
           </a:p>
@@ -3134,7 +3166,7 @@
         </p:nvSpPr>
         <p:spPr>
           <a:xfrm>
-            <a:off x="2133600" y="5638800"/>
+            <a:off x="2133600" y="6248400"/>
             <a:ext cx="1066800" cy="381000"/>
           </a:xfrm>
           <a:prstGeom prst="rect">
@@ -3178,7 +3210,7 @@
         <p:spPr>
           <a:xfrm>
             <a:off x="2133600" y="1524000"/>
-            <a:ext cx="1066800" cy="394138"/>
+            <a:ext cx="2286000" cy="381000"/>
           </a:xfrm>
           <a:prstGeom prst="rect">
             <a:avLst/>
@@ -3221,7 +3253,7 @@
         <p:spPr>
           <a:xfrm>
             <a:off x="2133600" y="1981200"/>
-            <a:ext cx="1066800" cy="381000"/>
+            <a:ext cx="2286000" cy="381000"/>
           </a:xfrm>
           <a:prstGeom prst="rect">
             <a:avLst/>
@@ -3263,8 +3295,8 @@
         </p:nvSpPr>
         <p:spPr>
           <a:xfrm>
-            <a:off x="3733800" y="1524000"/>
-            <a:ext cx="1066800" cy="394138"/>
+            <a:off x="4800600" y="1524000"/>
+            <a:ext cx="1066800" cy="381000"/>
           </a:xfrm>
           <a:prstGeom prst="rect">
             <a:avLst/>
@@ -3293,7 +3325,7 @@
             <a:pPr algn="ctr"/>
             <a:r>
               <a:rPr lang="en-US" sz="1500" dirty="0" smtClean="0"/>
-              <a:t>…</a:t>
+              <a:t>Debug</a:t>
             </a:r>
             <a:endParaRPr lang="en-US" sz="1500" dirty="0"/>
           </a:p>
@@ -3307,7 +3339,7 @@
         </p:nvSpPr>
         <p:spPr>
           <a:xfrm>
-            <a:off x="3733800" y="1981200"/>
+            <a:off x="4800600" y="1981200"/>
             <a:ext cx="1066800" cy="381000"/>
           </a:xfrm>
           <a:prstGeom prst="rect">
@@ -3337,7 +3369,7 @@
             <a:pPr algn="ctr"/>
             <a:r>
               <a:rPr lang="en-US" sz="1500" dirty="0" smtClean="0"/>
-              <a:t>…</a:t>
+              <a:t>Debug</a:t>
             </a:r>
             <a:endParaRPr lang="en-US" sz="1500" dirty="0"/>
           </a:p>
@@ -3352,7 +3384,7 @@
         <p:spPr>
           <a:xfrm>
             <a:off x="2133600" y="152400"/>
-            <a:ext cx="1066800" cy="394138"/>
+            <a:ext cx="2286000" cy="394138"/>
           </a:xfrm>
           <a:prstGeom prst="rect">
             <a:avLst/>
@@ -3461,7 +3493,7 @@
         </p:nvSpPr>
         <p:spPr>
           <a:xfrm>
-            <a:off x="2133600" y="2438400"/>
+            <a:off x="2133600" y="2501462"/>
             <a:ext cx="1920240" cy="394138"/>
           </a:xfrm>
           <a:prstGeom prst="snip1Rect">
@@ -3566,7 +3598,7 @@
         <p:spPr>
           <a:xfrm>
             <a:off x="1493520" y="617220"/>
-            <a:ext cx="640080" cy="1103849"/>
+            <a:ext cx="640080" cy="1097280"/>
           </a:xfrm>
           <a:prstGeom prst="bentConnector3">
             <a:avLst>
@@ -3636,7 +3668,7 @@
         <p:spPr>
           <a:xfrm>
             <a:off x="1493520" y="617220"/>
-            <a:ext cx="640080" cy="5212080"/>
+            <a:ext cx="640080" cy="5821680"/>
           </a:xfrm>
           <a:prstGeom prst="bentConnector3">
             <a:avLst>
@@ -3670,8 +3702,8 @@
         </p:nvCxnSpPr>
         <p:spPr>
           <a:xfrm>
-            <a:off x="3200400" y="1721069"/>
-            <a:ext cx="533400" cy="1588"/>
+            <a:off x="4419600" y="1714500"/>
+            <a:ext cx="381000" cy="1588"/>
           </a:xfrm>
           <a:prstGeom prst="bentConnector3">
             <a:avLst>
@@ -3705,8 +3737,8 @@
         </p:nvCxnSpPr>
         <p:spPr>
           <a:xfrm>
-            <a:off x="3200400" y="2171700"/>
-            <a:ext cx="533400" cy="1588"/>
+            <a:off x="4419600" y="2171700"/>
+            <a:ext cx="381000" cy="1588"/>
           </a:xfrm>
           <a:prstGeom prst="bentConnector3">
             <a:avLst>
@@ -3740,7 +3772,7 @@
         </p:nvCxnSpPr>
         <p:spPr>
           <a:xfrm>
-            <a:off x="3200400" y="5829300"/>
+            <a:off x="3200400" y="6438900"/>
             <a:ext cx="533400" cy="457200"/>
           </a:xfrm>
           <a:prstGeom prst="bentConnector3">
@@ -3810,8 +3842,8 @@
         </p:nvCxnSpPr>
         <p:spPr>
           <a:xfrm>
-            <a:off x="3200400" y="349469"/>
-            <a:ext cx="5638800" cy="1588"/>
+            <a:off x="4419600" y="349469"/>
+            <a:ext cx="4419600" cy="1588"/>
           </a:xfrm>
           <a:prstGeom prst="bentConnector3">
             <a:avLst>
@@ -3846,7 +3878,7 @@
         <p:spPr>
           <a:xfrm>
             <a:off x="1493520" y="617220"/>
-            <a:ext cx="640080" cy="2018249"/>
+            <a:ext cx="640080" cy="2081311"/>
           </a:xfrm>
           <a:prstGeom prst="bentConnector3">
             <a:avLst>
@@ -3878,7 +3910,7 @@
         <p:spPr>
           <a:xfrm>
             <a:off x="2118360" y="1066800"/>
-            <a:ext cx="1066800" cy="381000"/>
+            <a:ext cx="2301240" cy="381000"/>
           </a:xfrm>
           <a:prstGeom prst="rect">
             <a:avLst/>
@@ -3911,7 +3943,15 @@
             </a:r>
             <a:r>
               <a:rPr lang="en-US" sz="1500" dirty="0" smtClean="0"/>
-              <a:t>-release</a:t>
+              <a:t>-</a:t>
+            </a:r>
+            <a:r>
+              <a:rPr lang="en-US" sz="1500" dirty="0" err="1" smtClean="0"/>
+              <a:t>BareMetal</a:t>
+            </a:r>
+            <a:r>
+              <a:rPr lang="en-US" sz="1500" dirty="0" smtClean="0"/>
+              <a:t>-Release</a:t>
             </a:r>
             <a:endParaRPr lang="en-US" sz="1500" dirty="0"/>
           </a:p>
@@ -3960,7 +4000,7 @@
         </p:nvSpPr>
         <p:spPr>
           <a:xfrm>
-            <a:off x="2133600" y="3352800"/>
+            <a:off x="2133600" y="3962400"/>
             <a:ext cx="1066800" cy="381000"/>
           </a:xfrm>
           <a:prstGeom prst="rect">
@@ -4004,7 +4044,7 @@
         </p:nvSpPr>
         <p:spPr>
           <a:xfrm>
-            <a:off x="8854440" y="3352800"/>
+            <a:off x="8854440" y="3962400"/>
             <a:ext cx="1706880" cy="381000"/>
           </a:xfrm>
           <a:prstGeom prst="snip1Rect">
@@ -4065,7 +4105,7 @@
         </p:nvSpPr>
         <p:spPr>
           <a:xfrm>
-            <a:off x="3733800" y="3810000"/>
+            <a:off x="3733800" y="4419600"/>
             <a:ext cx="1371600" cy="381000"/>
           </a:xfrm>
           <a:prstGeom prst="rect">
@@ -4109,7 +4149,7 @@
         </p:nvSpPr>
         <p:spPr>
           <a:xfrm>
-            <a:off x="3733800" y="5181600"/>
+            <a:off x="3733800" y="5791200"/>
             <a:ext cx="1371600" cy="381000"/>
           </a:xfrm>
           <a:prstGeom prst="rect">
@@ -4153,7 +4193,7 @@
         </p:nvSpPr>
         <p:spPr>
           <a:xfrm>
-            <a:off x="8839200" y="3810000"/>
+            <a:off x="8839200" y="4419600"/>
             <a:ext cx="1706880" cy="381000"/>
           </a:xfrm>
           <a:prstGeom prst="snip1Rect">
@@ -4214,7 +4254,7 @@
         </p:nvSpPr>
         <p:spPr>
           <a:xfrm>
-            <a:off x="8839200" y="5181600"/>
+            <a:off x="8839200" y="5791200"/>
             <a:ext cx="1706880" cy="381000"/>
           </a:xfrm>
           <a:prstGeom prst="snip1Rect">
@@ -4275,7 +4315,7 @@
         </p:nvSpPr>
         <p:spPr>
           <a:xfrm>
-            <a:off x="8839200" y="5638800"/>
+            <a:off x="8839200" y="6248400"/>
             <a:ext cx="1706880" cy="381000"/>
           </a:xfrm>
           <a:prstGeom prst="snip1Rect">
@@ -4340,7 +4380,7 @@
         <p:spPr>
           <a:xfrm>
             <a:off x="1493520" y="617220"/>
-            <a:ext cx="640080" cy="2926080"/>
+            <a:ext cx="640080" cy="3535680"/>
           </a:xfrm>
           <a:prstGeom prst="bentConnector3">
             <a:avLst>
@@ -4374,7 +4414,7 @@
         </p:nvCxnSpPr>
         <p:spPr>
           <a:xfrm>
-            <a:off x="3200400" y="3543300"/>
+            <a:off x="3200400" y="4152900"/>
             <a:ext cx="533400" cy="457200"/>
           </a:xfrm>
           <a:prstGeom prst="bentConnector3">
@@ -4409,7 +4449,7 @@
         </p:nvCxnSpPr>
         <p:spPr>
           <a:xfrm>
-            <a:off x="3200400" y="3543300"/>
+            <a:off x="3200400" y="4152900"/>
             <a:ext cx="533400" cy="1828800"/>
           </a:xfrm>
           <a:prstGeom prst="bentConnector3">
@@ -4444,7 +4484,7 @@
         </p:nvCxnSpPr>
         <p:spPr>
           <a:xfrm>
-            <a:off x="5105400" y="4000500"/>
+            <a:off x="5105400" y="4610100"/>
             <a:ext cx="3733800" cy="1588"/>
           </a:xfrm>
           <a:prstGeom prst="bentConnector3">
@@ -4479,7 +4519,7 @@
         </p:nvCxnSpPr>
         <p:spPr>
           <a:xfrm>
-            <a:off x="3200400" y="3543300"/>
+            <a:off x="3200400" y="4152900"/>
             <a:ext cx="5654040" cy="1588"/>
           </a:xfrm>
           <a:prstGeom prst="bentConnector3">
@@ -4514,7 +4554,7 @@
         </p:nvCxnSpPr>
         <p:spPr>
           <a:xfrm>
-            <a:off x="5105400" y="5372100"/>
+            <a:off x="5105400" y="5981700"/>
             <a:ext cx="3733800" cy="1588"/>
           </a:xfrm>
           <a:prstGeom prst="bentConnector3">
@@ -4549,7 +4589,7 @@
         </p:nvCxnSpPr>
         <p:spPr>
           <a:xfrm>
-            <a:off x="3200400" y="5829300"/>
+            <a:off x="3200400" y="6438900"/>
             <a:ext cx="5638800" cy="1588"/>
           </a:xfrm>
           <a:prstGeom prst="bentConnector3">
@@ -4581,7 +4621,7 @@
         </p:nvSpPr>
         <p:spPr>
           <a:xfrm>
-            <a:off x="2133600" y="2895600"/>
+            <a:off x="2133600" y="3429000"/>
             <a:ext cx="1920240" cy="394138"/>
           </a:xfrm>
           <a:prstGeom prst="snip1Rect">
@@ -4651,7 +4691,7 @@
         <p:spPr>
           <a:xfrm>
             <a:off x="1493520" y="617220"/>
-            <a:ext cx="640080" cy="2475449"/>
+            <a:ext cx="640080" cy="3008849"/>
           </a:xfrm>
           <a:prstGeom prst="bentConnector3">
             <a:avLst>
@@ -4685,7 +4725,7 @@
         </p:nvCxnSpPr>
         <p:spPr>
           <a:xfrm>
-            <a:off x="6781800" y="8115300"/>
+            <a:off x="6781800" y="9182100"/>
             <a:ext cx="2057400" cy="1588"/>
           </a:xfrm>
           <a:prstGeom prst="bentConnector3">
@@ -4717,7 +4757,7 @@
         </p:nvSpPr>
         <p:spPr>
           <a:xfrm>
-            <a:off x="8839200" y="6096000"/>
+            <a:off x="8839200" y="6705600"/>
             <a:ext cx="1706880" cy="381000"/>
           </a:xfrm>
           <a:prstGeom prst="snip1Rect">
@@ -4778,7 +4818,7 @@
         </p:nvSpPr>
         <p:spPr>
           <a:xfrm>
-            <a:off x="8839200" y="6553200"/>
+            <a:off x="8839200" y="7162800"/>
             <a:ext cx="1706880" cy="381000"/>
           </a:xfrm>
           <a:prstGeom prst="snip1Rect">
@@ -4844,7 +4884,7 @@
         </p:nvSpPr>
         <p:spPr>
           <a:xfrm>
-            <a:off x="8839200" y="7010400"/>
+            <a:off x="8839200" y="8077200"/>
             <a:ext cx="1706880" cy="381000"/>
           </a:xfrm>
           <a:prstGeom prst="snip1Rect">
@@ -4910,7 +4950,7 @@
         </p:nvSpPr>
         <p:spPr>
           <a:xfrm>
-            <a:off x="8839200" y="7924800"/>
+            <a:off x="8839200" y="8991600"/>
             <a:ext cx="1706880" cy="381000"/>
           </a:xfrm>
           <a:prstGeom prst="snip1Rect">
@@ -4971,7 +5011,7 @@
         </p:nvSpPr>
         <p:spPr>
           <a:xfrm>
-            <a:off x="5410200" y="7924800"/>
+            <a:off x="5410200" y="8991600"/>
             <a:ext cx="1371600" cy="381000"/>
           </a:xfrm>
           <a:prstGeom prst="rect">
@@ -5014,7 +5054,7 @@
         </p:nvSpPr>
         <p:spPr>
           <a:xfrm>
-            <a:off x="3733800" y="6096000"/>
+            <a:off x="3733800" y="6705600"/>
             <a:ext cx="1143000" cy="381000"/>
           </a:xfrm>
           <a:prstGeom prst="rect">
@@ -5061,7 +5101,7 @@
         </p:nvCxnSpPr>
         <p:spPr>
           <a:xfrm>
-            <a:off x="4876800" y="6286500"/>
+            <a:off x="4876800" y="6896100"/>
             <a:ext cx="3962400" cy="1588"/>
           </a:xfrm>
           <a:prstGeom prst="bentConnector3">
@@ -5096,7 +5136,7 @@
         </p:nvCxnSpPr>
         <p:spPr>
           <a:xfrm>
-            <a:off x="4876800" y="6286500"/>
+            <a:off x="4876800" y="6896100"/>
             <a:ext cx="3962400" cy="457200"/>
           </a:xfrm>
           <a:prstGeom prst="bentConnector3">
@@ -5131,8 +5171,8 @@
         </p:nvCxnSpPr>
         <p:spPr>
           <a:xfrm>
-            <a:off x="4876800" y="6286500"/>
-            <a:ext cx="3962400" cy="914400"/>
+            <a:off x="4876800" y="6896100"/>
+            <a:ext cx="3962400" cy="1371600"/>
           </a:xfrm>
           <a:prstGeom prst="bentConnector3">
             <a:avLst>
@@ -5166,8 +5206,8 @@
         </p:nvCxnSpPr>
         <p:spPr>
           <a:xfrm>
-            <a:off x="4876800" y="6286500"/>
-            <a:ext cx="533400" cy="1828800"/>
+            <a:off x="4876800" y="6896100"/>
+            <a:ext cx="533400" cy="2286000"/>
           </a:xfrm>
           <a:prstGeom prst="bentConnector3">
             <a:avLst>
@@ -5198,7 +5238,7 @@
         </p:nvSpPr>
         <p:spPr>
           <a:xfrm>
-            <a:off x="8839200" y="7467600"/>
+            <a:off x="8839200" y="8534400"/>
             <a:ext cx="1905000" cy="394138"/>
           </a:xfrm>
           <a:prstGeom prst="snip1Rect">
@@ -5267,8 +5307,8 @@
         </p:nvCxnSpPr>
         <p:spPr>
           <a:xfrm>
-            <a:off x="4876800" y="6286500"/>
-            <a:ext cx="3962400" cy="1378169"/>
+            <a:off x="4876800" y="6896100"/>
+            <a:ext cx="3962400" cy="1835369"/>
           </a:xfrm>
           <a:prstGeom prst="bentConnector3">
             <a:avLst>
@@ -5299,7 +5339,7 @@
         </p:nvSpPr>
         <p:spPr>
           <a:xfrm>
-            <a:off x="11125200" y="2895600"/>
+            <a:off x="11125200" y="3429000"/>
             <a:ext cx="1219200" cy="381000"/>
           </a:xfrm>
           <a:prstGeom prst="flowChartPredefinedProcess">
@@ -5364,7 +5404,7 @@
         </p:nvSpPr>
         <p:spPr>
           <a:xfrm>
-            <a:off x="11125200" y="3352800"/>
+            <a:off x="11125200" y="3962400"/>
             <a:ext cx="1219200" cy="381000"/>
           </a:xfrm>
           <a:prstGeom prst="flowChartPredefinedProcess">
@@ -5429,7 +5469,7 @@
         </p:nvSpPr>
         <p:spPr>
           <a:xfrm>
-            <a:off x="11125200" y="3810000"/>
+            <a:off x="11125200" y="4419600"/>
             <a:ext cx="1219200" cy="381000"/>
           </a:xfrm>
           <a:prstGeom prst="flowChartPredefinedProcess">
@@ -5494,7 +5534,7 @@
         </p:nvSpPr>
         <p:spPr>
           <a:xfrm>
-            <a:off x="11125200" y="5181600"/>
+            <a:off x="11125200" y="5791200"/>
             <a:ext cx="1219200" cy="381000"/>
           </a:xfrm>
           <a:prstGeom prst="flowChartPredefinedProcess">
@@ -5559,7 +5599,7 @@
         </p:nvSpPr>
         <p:spPr>
           <a:xfrm>
-            <a:off x="5410200" y="4267200"/>
+            <a:off x="5410200" y="4876800"/>
             <a:ext cx="1066800" cy="381000"/>
           </a:xfrm>
           <a:prstGeom prst="rect">
@@ -5603,7 +5643,7 @@
         </p:nvSpPr>
         <p:spPr>
           <a:xfrm>
-            <a:off x="8839200" y="4267200"/>
+            <a:off x="8839200" y="4876800"/>
             <a:ext cx="1706880" cy="381000"/>
           </a:xfrm>
           <a:prstGeom prst="snip1Rect">
@@ -5664,7 +5704,7 @@
         </p:nvSpPr>
         <p:spPr>
           <a:xfrm>
-            <a:off x="11125200" y="4267200"/>
+            <a:off x="11125200" y="4876800"/>
             <a:ext cx="1219200" cy="381000"/>
           </a:xfrm>
           <a:prstGeom prst="flowChartPredefinedProcess">
@@ -5732,7 +5772,7 @@
         </p:nvCxnSpPr>
         <p:spPr>
           <a:xfrm>
-            <a:off x="5105400" y="4000500"/>
+            <a:off x="5105400" y="4610100"/>
             <a:ext cx="304800" cy="457200"/>
           </a:xfrm>
           <a:prstGeom prst="bentConnector3">
@@ -5767,7 +5807,7 @@
         </p:nvCxnSpPr>
         <p:spPr>
           <a:xfrm>
-            <a:off x="6477000" y="4457700"/>
+            <a:off x="6477000" y="5067300"/>
             <a:ext cx="2362200" cy="1588"/>
           </a:xfrm>
           <a:prstGeom prst="bentConnector3">
@@ -5799,7 +5839,7 @@
         </p:nvSpPr>
         <p:spPr>
           <a:xfrm>
-            <a:off x="11125200" y="5638800"/>
+            <a:off x="11125200" y="6248400"/>
             <a:ext cx="1219200" cy="381000"/>
           </a:xfrm>
           <a:prstGeom prst="flowChartPredefinedProcess">
@@ -5864,7 +5904,7 @@
         </p:nvSpPr>
         <p:spPr>
           <a:xfrm>
-            <a:off x="11125200" y="6096000"/>
+            <a:off x="11125200" y="6705600"/>
             <a:ext cx="1295400" cy="381000"/>
           </a:xfrm>
           <a:prstGeom prst="flowChartPredefinedProcess">
@@ -5929,7 +5969,7 @@
         </p:nvSpPr>
         <p:spPr>
           <a:xfrm>
-            <a:off x="11125200" y="7924800"/>
+            <a:off x="11125200" y="8991600"/>
             <a:ext cx="1219200" cy="381000"/>
           </a:xfrm>
           <a:prstGeom prst="flowChartPredefinedProcess">
@@ -5994,7 +6034,7 @@
         </p:nvSpPr>
         <p:spPr>
           <a:xfrm>
-            <a:off x="8839200" y="4724400"/>
+            <a:off x="8839200" y="5334000"/>
             <a:ext cx="1706880" cy="381000"/>
           </a:xfrm>
           <a:prstGeom prst="snip1Rect">
@@ -6055,7 +6095,7 @@
         </p:nvSpPr>
         <p:spPr>
           <a:xfrm>
-            <a:off x="6781800" y="4724400"/>
+            <a:off x="6781800" y="5334000"/>
             <a:ext cx="1371600" cy="381000"/>
           </a:xfrm>
           <a:prstGeom prst="rect">
@@ -6098,7 +6138,7 @@
         </p:nvSpPr>
         <p:spPr>
           <a:xfrm>
-            <a:off x="11125200" y="4724400"/>
+            <a:off x="11125200" y="5334000"/>
             <a:ext cx="1219200" cy="381000"/>
           </a:xfrm>
           <a:prstGeom prst="flowChartPredefinedProcess">
@@ -6166,7 +6206,7 @@
         </p:nvCxnSpPr>
         <p:spPr>
           <a:xfrm>
-            <a:off x="6477000" y="4457700"/>
+            <a:off x="6477000" y="5067300"/>
             <a:ext cx="304800" cy="457200"/>
           </a:xfrm>
           <a:prstGeom prst="bentConnector3">
@@ -6201,7 +6241,7 @@
         </p:nvCxnSpPr>
         <p:spPr>
           <a:xfrm>
-            <a:off x="8153400" y="4914900"/>
+            <a:off x="8153400" y="5524500"/>
             <a:ext cx="685800" cy="1588"/>
           </a:xfrm>
           <a:prstGeom prst="bentConnector3">
@@ -6225,6 +6265,533 @@
           </a:fontRef>
         </p:style>
       </p:cxnSp>
+      <p:sp>
+        <p:nvSpPr>
+          <p:cNvPr id="92" name="Snip Single Corner Rectangle 91"/>
+          <p:cNvSpPr/>
+          <p:nvPr/>
+        </p:nvSpPr>
+        <p:spPr>
+          <a:xfrm>
+            <a:off x="8839200" y="7620000"/>
+            <a:ext cx="1706880" cy="381000"/>
+          </a:xfrm>
+          <a:prstGeom prst="snip1Rect">
+            <a:avLst/>
+          </a:prstGeom>
+          <a:solidFill>
+            <a:schemeClr val="accent1">
+              <a:lumMod val="40000"/>
+              <a:lumOff val="60000"/>
+            </a:schemeClr>
+          </a:solidFill>
+          <a:ln>
+            <a:solidFill>
+              <a:schemeClr val="accent1">
+                <a:lumMod val="60000"/>
+                <a:lumOff val="40000"/>
+              </a:schemeClr>
+            </a:solidFill>
+          </a:ln>
+        </p:spPr>
+        <p:style>
+          <a:lnRef idx="2">
+            <a:schemeClr val="accent1">
+              <a:shade val="50000"/>
+            </a:schemeClr>
+          </a:lnRef>
+          <a:fillRef idx="1">
+            <a:schemeClr val="accent1"/>
+          </a:fillRef>
+          <a:effectRef idx="0">
+            <a:schemeClr val="accent1"/>
+          </a:effectRef>
+          <a:fontRef idx="minor">
+            <a:schemeClr val="lt1"/>
+          </a:fontRef>
+        </p:style>
+        <p:txBody>
+          <a:bodyPr lIns="128016" tIns="64008" rIns="128016" bIns="64008" rtlCol="0" anchor="ctr"/>
+          <a:lstStyle/>
+          <a:p>
+            <a:pPr algn="ctr"/>
+            <a:r>
+              <a:rPr lang="en-US" sz="1500" dirty="0" err="1" smtClean="0">
+                <a:solidFill>
+                  <a:schemeClr val="tx1"/>
+                </a:solidFill>
+              </a:rPr>
+              <a:t>start.S</a:t>
+            </a:r>
+            <a:endParaRPr lang="en-US" sz="1500" dirty="0">
+              <a:solidFill>
+                <a:schemeClr val="tx1"/>
+              </a:solidFill>
+            </a:endParaRPr>
+          </a:p>
+        </p:txBody>
+      </p:sp>
+      <p:cxnSp>
+        <p:nvCxnSpPr>
+          <p:cNvPr id="93" name="Elbow Connector 92"/>
+          <p:cNvCxnSpPr>
+            <a:stCxn id="232" idx="3"/>
+            <a:endCxn id="92" idx="2"/>
+          </p:cNvCxnSpPr>
+          <p:nvPr/>
+        </p:nvCxnSpPr>
+        <p:spPr>
+          <a:xfrm>
+            <a:off x="4876800" y="6896100"/>
+            <a:ext cx="3962400" cy="914400"/>
+          </a:xfrm>
+          <a:prstGeom prst="bentConnector3">
+            <a:avLst>
+              <a:gd name="adj1" fmla="val 50000"/>
+            </a:avLst>
+          </a:prstGeom>
+        </p:spPr>
+        <p:style>
+          <a:lnRef idx="1">
+            <a:schemeClr val="accent1"/>
+          </a:lnRef>
+          <a:fillRef idx="0">
+            <a:schemeClr val="accent1"/>
+          </a:fillRef>
+          <a:effectRef idx="0">
+            <a:schemeClr val="accent1"/>
+          </a:effectRef>
+          <a:fontRef idx="minor">
+            <a:schemeClr val="tx1"/>
+          </a:fontRef>
+        </p:style>
+      </p:cxnSp>
+      <p:sp>
+        <p:nvSpPr>
+          <p:cNvPr id="107" name="Snip Single Corner Rectangle 106"/>
+          <p:cNvSpPr/>
+          <p:nvPr/>
+        </p:nvSpPr>
+        <p:spPr>
+          <a:xfrm>
+            <a:off x="8839200" y="1524000"/>
+            <a:ext cx="1706880" cy="381000"/>
+          </a:xfrm>
+          <a:prstGeom prst="snip1Rect">
+            <a:avLst/>
+          </a:prstGeom>
+          <a:solidFill>
+            <a:schemeClr val="accent1">
+              <a:lumMod val="40000"/>
+              <a:lumOff val="60000"/>
+            </a:schemeClr>
+          </a:solidFill>
+          <a:ln>
+            <a:solidFill>
+              <a:schemeClr val="accent1">
+                <a:lumMod val="60000"/>
+                <a:lumOff val="40000"/>
+              </a:schemeClr>
+            </a:solidFill>
+          </a:ln>
+        </p:spPr>
+        <p:style>
+          <a:lnRef idx="2">
+            <a:schemeClr val="accent1">
+              <a:shade val="50000"/>
+            </a:schemeClr>
+          </a:lnRef>
+          <a:fillRef idx="1">
+            <a:schemeClr val="accent1"/>
+          </a:fillRef>
+          <a:effectRef idx="0">
+            <a:schemeClr val="accent1"/>
+          </a:effectRef>
+          <a:fontRef idx="minor">
+            <a:schemeClr val="lt1"/>
+          </a:fontRef>
+        </p:style>
+        <p:txBody>
+          <a:bodyPr lIns="128016" tIns="64008" rIns="128016" bIns="64008" rtlCol="0" anchor="ctr"/>
+          <a:lstStyle/>
+          <a:p>
+            <a:pPr algn="ctr"/>
+            <a:r>
+              <a:rPr lang="en-US" sz="1500" dirty="0" smtClean="0">
+                <a:solidFill>
+                  <a:schemeClr val="tx1"/>
+                </a:solidFill>
+              </a:rPr>
+              <a:t>00-build.elf</a:t>
+            </a:r>
+            <a:endParaRPr lang="en-US" sz="1500" dirty="0">
+              <a:solidFill>
+                <a:schemeClr val="tx1"/>
+              </a:solidFill>
+            </a:endParaRPr>
+          </a:p>
+        </p:txBody>
+      </p:sp>
+      <p:sp>
+        <p:nvSpPr>
+          <p:cNvPr id="110" name="Rectangle 109"/>
+          <p:cNvSpPr/>
+          <p:nvPr/>
+        </p:nvSpPr>
+        <p:spPr>
+          <a:xfrm>
+            <a:off x="6096000" y="1524000"/>
+            <a:ext cx="1295400" cy="381000"/>
+          </a:xfrm>
+          <a:prstGeom prst="rect">
+            <a:avLst/>
+          </a:prstGeom>
+        </p:spPr>
+        <p:style>
+          <a:lnRef idx="2">
+            <a:schemeClr val="accent1">
+              <a:shade val="50000"/>
+            </a:schemeClr>
+          </a:lnRef>
+          <a:fillRef idx="1">
+            <a:schemeClr val="accent1"/>
+          </a:fillRef>
+          <a:effectRef idx="0">
+            <a:schemeClr val="accent1"/>
+          </a:effectRef>
+          <a:fontRef idx="minor">
+            <a:schemeClr val="lt1"/>
+          </a:fontRef>
+        </p:style>
+        <p:txBody>
+          <a:bodyPr lIns="128016" tIns="64008" rIns="128016" bIns="64008" rtlCol="0" anchor="ctr"/>
+          <a:lstStyle/>
+          <a:p>
+            <a:pPr algn="ctr"/>
+            <a:r>
+              <a:rPr lang="en-US" sz="1500" dirty="0" smtClean="0"/>
+              <a:t>bin</a:t>
+            </a:r>
+            <a:endParaRPr lang="en-US" sz="1500" dirty="0"/>
+          </a:p>
+        </p:txBody>
+      </p:sp>
+      <p:sp>
+        <p:nvSpPr>
+          <p:cNvPr id="116" name="Rectangle 115"/>
+          <p:cNvSpPr/>
+          <p:nvPr/>
+        </p:nvSpPr>
+        <p:spPr>
+          <a:xfrm>
+            <a:off x="6096000" y="1981200"/>
+            <a:ext cx="1295400" cy="381000"/>
+          </a:xfrm>
+          <a:prstGeom prst="rect">
+            <a:avLst/>
+          </a:prstGeom>
+        </p:spPr>
+        <p:style>
+          <a:lnRef idx="2">
+            <a:schemeClr val="accent1">
+              <a:shade val="50000"/>
+            </a:schemeClr>
+          </a:lnRef>
+          <a:fillRef idx="1">
+            <a:schemeClr val="accent1"/>
+          </a:fillRef>
+          <a:effectRef idx="0">
+            <a:schemeClr val="accent1"/>
+          </a:effectRef>
+          <a:fontRef idx="minor">
+            <a:schemeClr val="lt1"/>
+          </a:fontRef>
+        </p:style>
+        <p:txBody>
+          <a:bodyPr lIns="128016" tIns="64008" rIns="128016" bIns="64008" rtlCol="0" anchor="ctr"/>
+          <a:lstStyle/>
+          <a:p>
+            <a:pPr algn="ctr"/>
+            <a:r>
+              <a:rPr lang="en-US" sz="1500" dirty="0" smtClean="0"/>
+              <a:t>demo-image</a:t>
+            </a:r>
+            <a:endParaRPr lang="en-US" sz="1500" dirty="0"/>
+          </a:p>
+        </p:txBody>
+      </p:sp>
+      <p:sp>
+        <p:nvSpPr>
+          <p:cNvPr id="118" name="Snip Single Corner Rectangle 117"/>
+          <p:cNvSpPr/>
+          <p:nvPr/>
+        </p:nvSpPr>
+        <p:spPr>
+          <a:xfrm>
+            <a:off x="8839200" y="1981200"/>
+            <a:ext cx="1706880" cy="381000"/>
+          </a:xfrm>
+          <a:prstGeom prst="snip1Rect">
+            <a:avLst/>
+          </a:prstGeom>
+          <a:solidFill>
+            <a:schemeClr val="accent1">
+              <a:lumMod val="40000"/>
+              <a:lumOff val="60000"/>
+            </a:schemeClr>
+          </a:solidFill>
+          <a:ln>
+            <a:solidFill>
+              <a:schemeClr val="accent1">
+                <a:lumMod val="60000"/>
+                <a:lumOff val="40000"/>
+              </a:schemeClr>
+            </a:solidFill>
+          </a:ln>
+        </p:spPr>
+        <p:style>
+          <a:lnRef idx="2">
+            <a:schemeClr val="accent1">
+              <a:shade val="50000"/>
+            </a:schemeClr>
+          </a:lnRef>
+          <a:fillRef idx="1">
+            <a:schemeClr val="accent1"/>
+          </a:fillRef>
+          <a:effectRef idx="0">
+            <a:schemeClr val="accent1"/>
+          </a:effectRef>
+          <a:fontRef idx="minor">
+            <a:schemeClr val="lt1"/>
+          </a:fontRef>
+        </p:style>
+        <p:txBody>
+          <a:bodyPr lIns="128016" tIns="64008" rIns="128016" bIns="64008" rtlCol="0" anchor="ctr"/>
+          <a:lstStyle/>
+          <a:p>
+            <a:pPr algn="ctr"/>
+            <a:r>
+              <a:rPr lang="en-US" sz="1500" dirty="0" smtClean="0">
+                <a:solidFill>
+                  <a:schemeClr val="tx1"/>
+                </a:solidFill>
+              </a:rPr>
+              <a:t>kernel8.img</a:t>
+            </a:r>
+            <a:endParaRPr lang="en-US" sz="1500" dirty="0">
+              <a:solidFill>
+                <a:schemeClr val="tx1"/>
+              </a:solidFill>
+            </a:endParaRPr>
+          </a:p>
+        </p:txBody>
+      </p:sp>
+      <p:cxnSp>
+        <p:nvCxnSpPr>
+          <p:cNvPr id="120" name="Elbow Connector 119"/>
+          <p:cNvCxnSpPr>
+            <a:stCxn id="12" idx="3"/>
+            <a:endCxn id="110" idx="1"/>
+          </p:cNvCxnSpPr>
+          <p:nvPr/>
+        </p:nvCxnSpPr>
+        <p:spPr>
+          <a:xfrm>
+            <a:off x="5867400" y="1714500"/>
+            <a:ext cx="228600" cy="1588"/>
+          </a:xfrm>
+          <a:prstGeom prst="bentConnector3">
+            <a:avLst>
+              <a:gd name="adj1" fmla="val 50000"/>
+            </a:avLst>
+          </a:prstGeom>
+        </p:spPr>
+        <p:style>
+          <a:lnRef idx="1">
+            <a:schemeClr val="accent1"/>
+          </a:lnRef>
+          <a:fillRef idx="0">
+            <a:schemeClr val="accent1"/>
+          </a:fillRef>
+          <a:effectRef idx="0">
+            <a:schemeClr val="accent1"/>
+          </a:effectRef>
+          <a:fontRef idx="minor">
+            <a:schemeClr val="tx1"/>
+          </a:fontRef>
+        </p:style>
+      </p:cxnSp>
+      <p:cxnSp>
+        <p:nvCxnSpPr>
+          <p:cNvPr id="125" name="Elbow Connector 124"/>
+          <p:cNvCxnSpPr>
+            <a:stCxn id="110" idx="3"/>
+            <a:endCxn id="107" idx="2"/>
+          </p:cNvCxnSpPr>
+          <p:nvPr/>
+        </p:nvCxnSpPr>
+        <p:spPr>
+          <a:xfrm>
+            <a:off x="7391400" y="1714500"/>
+            <a:ext cx="1447800" cy="1588"/>
+          </a:xfrm>
+          <a:prstGeom prst="bentConnector3">
+            <a:avLst>
+              <a:gd name="adj1" fmla="val 50000"/>
+            </a:avLst>
+          </a:prstGeom>
+        </p:spPr>
+        <p:style>
+          <a:lnRef idx="1">
+            <a:schemeClr val="accent1"/>
+          </a:lnRef>
+          <a:fillRef idx="0">
+            <a:schemeClr val="accent1"/>
+          </a:fillRef>
+          <a:effectRef idx="0">
+            <a:schemeClr val="accent1"/>
+          </a:effectRef>
+          <a:fontRef idx="minor">
+            <a:schemeClr val="tx1"/>
+          </a:fontRef>
+        </p:style>
+      </p:cxnSp>
+      <p:cxnSp>
+        <p:nvCxnSpPr>
+          <p:cNvPr id="135" name="Elbow Connector 134"/>
+          <p:cNvCxnSpPr>
+            <a:stCxn id="15" idx="3"/>
+            <a:endCxn id="116" idx="1"/>
+          </p:cNvCxnSpPr>
+          <p:nvPr/>
+        </p:nvCxnSpPr>
+        <p:spPr>
+          <a:xfrm>
+            <a:off x="5867400" y="2171700"/>
+            <a:ext cx="228600" cy="1588"/>
+          </a:xfrm>
+          <a:prstGeom prst="bentConnector3">
+            <a:avLst>
+              <a:gd name="adj1" fmla="val 50000"/>
+            </a:avLst>
+          </a:prstGeom>
+        </p:spPr>
+        <p:style>
+          <a:lnRef idx="1">
+            <a:schemeClr val="accent1"/>
+          </a:lnRef>
+          <a:fillRef idx="0">
+            <a:schemeClr val="accent1"/>
+          </a:fillRef>
+          <a:effectRef idx="0">
+            <a:schemeClr val="accent1"/>
+          </a:effectRef>
+          <a:fontRef idx="minor">
+            <a:schemeClr val="tx1"/>
+          </a:fontRef>
+        </p:style>
+      </p:cxnSp>
+      <p:cxnSp>
+        <p:nvCxnSpPr>
+          <p:cNvPr id="138" name="Elbow Connector 137"/>
+          <p:cNvCxnSpPr>
+            <a:stCxn id="116" idx="3"/>
+            <a:endCxn id="118" idx="2"/>
+          </p:cNvCxnSpPr>
+          <p:nvPr/>
+        </p:nvCxnSpPr>
+        <p:spPr>
+          <a:xfrm>
+            <a:off x="7391400" y="2171700"/>
+            <a:ext cx="1447800" cy="1588"/>
+          </a:xfrm>
+          <a:prstGeom prst="bentConnector3">
+            <a:avLst>
+              <a:gd name="adj1" fmla="val 50000"/>
+            </a:avLst>
+          </a:prstGeom>
+        </p:spPr>
+        <p:style>
+          <a:lnRef idx="1">
+            <a:schemeClr val="accent1"/>
+          </a:lnRef>
+          <a:fillRef idx="0">
+            <a:schemeClr val="accent1"/>
+          </a:fillRef>
+          <a:effectRef idx="0">
+            <a:schemeClr val="accent1"/>
+          </a:effectRef>
+          <a:fontRef idx="minor">
+            <a:schemeClr val="tx1"/>
+          </a:fontRef>
+        </p:style>
+      </p:cxnSp>
+      <p:sp>
+        <p:nvSpPr>
+          <p:cNvPr id="81" name="Snip Single Corner Rectangle 80"/>
+          <p:cNvSpPr/>
+          <p:nvPr/>
+        </p:nvSpPr>
+        <p:spPr>
+          <a:xfrm>
+            <a:off x="2133600" y="2971800"/>
+            <a:ext cx="1920240" cy="394138"/>
+          </a:xfrm>
+          <a:prstGeom prst="snip1Rect">
+            <a:avLst/>
+          </a:prstGeom>
+          <a:solidFill>
+            <a:schemeClr val="accent1">
+              <a:lumMod val="40000"/>
+              <a:lumOff val="60000"/>
+            </a:schemeClr>
+          </a:solidFill>
+          <a:ln>
+            <a:solidFill>
+              <a:schemeClr val="accent1">
+                <a:lumMod val="60000"/>
+                <a:lumOff val="40000"/>
+              </a:schemeClr>
+            </a:solidFill>
+          </a:ln>
+        </p:spPr>
+        <p:style>
+          <a:lnRef idx="2">
+            <a:schemeClr val="accent1">
+              <a:shade val="50000"/>
+            </a:schemeClr>
+          </a:lnRef>
+          <a:fillRef idx="1">
+            <a:schemeClr val="accent1"/>
+          </a:fillRef>
+          <a:effectRef idx="0">
+            <a:schemeClr val="accent1"/>
+          </a:effectRef>
+          <a:fontRef idx="minor">
+            <a:schemeClr val="lt1"/>
+          </a:fontRef>
+        </p:style>
+        <p:txBody>
+          <a:bodyPr lIns="128016" tIns="64008" rIns="128016" bIns="64008" rtlCol="0" anchor="ctr"/>
+          <a:lstStyle/>
+          <a:p>
+            <a:pPr algn="ctr"/>
+            <a:r>
+              <a:rPr lang="en-US" sz="1500" dirty="0" err="1" smtClean="0">
+                <a:solidFill>
+                  <a:schemeClr val="tx1"/>
+                </a:solidFill>
+              </a:rPr>
+              <a:t>baremetal.ld</a:t>
+            </a:r>
+            <a:endParaRPr lang="en-US" sz="1500" dirty="0">
+              <a:solidFill>
+                <a:schemeClr val="tx1"/>
+              </a:solidFill>
+            </a:endParaRPr>
+          </a:p>
+        </p:txBody>
+      </p:sp>
     </p:spTree>
   </p:cSld>
   <p:clrMapOvr>

--- a/doc/images/project-structure-new-project.pptx
+++ b/doc/images/project-structure-new-project.pptx
@@ -289,7 +289,7 @@
             <a:fld id="{464958D0-047A-4B5C-B600-9D705598A485}" type="datetimeFigureOut">
               <a:rPr lang="en-US" smtClean="0"/>
               <a:pPr/>
-              <a:t>12/18/2023</a:t>
+              <a:t>12/29/2023</a:t>
             </a:fld>
             <a:endParaRPr lang="en-US"/>
           </a:p>
@@ -456,7 +456,7 @@
             <a:fld id="{464958D0-047A-4B5C-B600-9D705598A485}" type="datetimeFigureOut">
               <a:rPr lang="en-US" smtClean="0"/>
               <a:pPr/>
-              <a:t>12/18/2023</a:t>
+              <a:t>12/29/2023</a:t>
             </a:fld>
             <a:endParaRPr lang="en-US"/>
           </a:p>
@@ -633,7 +633,7 @@
             <a:fld id="{464958D0-047A-4B5C-B600-9D705598A485}" type="datetimeFigureOut">
               <a:rPr lang="en-US" smtClean="0"/>
               <a:pPr/>
-              <a:t>12/18/2023</a:t>
+              <a:t>12/29/2023</a:t>
             </a:fld>
             <a:endParaRPr lang="en-US"/>
           </a:p>
@@ -800,7 +800,7 @@
             <a:fld id="{464958D0-047A-4B5C-B600-9D705598A485}" type="datetimeFigureOut">
               <a:rPr lang="en-US" smtClean="0"/>
               <a:pPr/>
-              <a:t>12/18/2023</a:t>
+              <a:t>12/29/2023</a:t>
             </a:fld>
             <a:endParaRPr lang="en-US"/>
           </a:p>
@@ -1043,7 +1043,7 @@
             <a:fld id="{464958D0-047A-4B5C-B600-9D705598A485}" type="datetimeFigureOut">
               <a:rPr lang="en-US" smtClean="0"/>
               <a:pPr/>
-              <a:t>12/18/2023</a:t>
+              <a:t>12/29/2023</a:t>
             </a:fld>
             <a:endParaRPr lang="en-US"/>
           </a:p>
@@ -1328,7 +1328,7 @@
             <a:fld id="{464958D0-047A-4B5C-B600-9D705598A485}" type="datetimeFigureOut">
               <a:rPr lang="en-US" smtClean="0"/>
               <a:pPr/>
-              <a:t>12/18/2023</a:t>
+              <a:t>12/29/2023</a:t>
             </a:fld>
             <a:endParaRPr lang="en-US"/>
           </a:p>
@@ -1747,7 +1747,7 @@
             <a:fld id="{464958D0-047A-4B5C-B600-9D705598A485}" type="datetimeFigureOut">
               <a:rPr lang="en-US" smtClean="0"/>
               <a:pPr/>
-              <a:t>12/18/2023</a:t>
+              <a:t>12/29/2023</a:t>
             </a:fld>
             <a:endParaRPr lang="en-US"/>
           </a:p>
@@ -1862,7 +1862,7 @@
             <a:fld id="{464958D0-047A-4B5C-B600-9D705598A485}" type="datetimeFigureOut">
               <a:rPr lang="en-US" smtClean="0"/>
               <a:pPr/>
-              <a:t>12/18/2023</a:t>
+              <a:t>12/29/2023</a:t>
             </a:fld>
             <a:endParaRPr lang="en-US"/>
           </a:p>
@@ -1954,7 +1954,7 @@
             <a:fld id="{464958D0-047A-4B5C-B600-9D705598A485}" type="datetimeFigureOut">
               <a:rPr lang="en-US" smtClean="0"/>
               <a:pPr/>
-              <a:t>12/18/2023</a:t>
+              <a:t>12/29/2023</a:t>
             </a:fld>
             <a:endParaRPr lang="en-US"/>
           </a:p>
@@ -2228,7 +2228,7 @@
             <a:fld id="{464958D0-047A-4B5C-B600-9D705598A485}" type="datetimeFigureOut">
               <a:rPr lang="en-US" smtClean="0"/>
               <a:pPr/>
-              <a:t>12/18/2023</a:t>
+              <a:t>12/29/2023</a:t>
             </a:fld>
             <a:endParaRPr lang="en-US"/>
           </a:p>
@@ -2478,7 +2478,7 @@
             <a:fld id="{464958D0-047A-4B5C-B600-9D705598A485}" type="datetimeFigureOut">
               <a:rPr lang="en-US" smtClean="0"/>
               <a:pPr/>
-              <a:t>12/18/2023</a:t>
+              <a:t>12/29/2023</a:t>
             </a:fld>
             <a:endParaRPr lang="en-US"/>
           </a:p>
@@ -2688,7 +2688,7 @@
             <a:fld id="{464958D0-047A-4B5C-B600-9D705598A485}" type="datetimeFigureOut">
               <a:rPr lang="en-US" smtClean="0"/>
               <a:pPr/>
-              <a:t>12/18/2023</a:t>
+              <a:t>12/29/2023</a:t>
             </a:fld>
             <a:endParaRPr lang="en-US"/>
           </a:p>
@@ -3773,7 +3773,7 @@
         <p:spPr>
           <a:xfrm>
             <a:off x="3200400" y="6438900"/>
-            <a:ext cx="533400" cy="457200"/>
+            <a:ext cx="457200" cy="457200"/>
           </a:xfrm>
           <a:prstGeom prst="bentConnector3">
             <a:avLst>
@@ -5054,8 +5054,8 @@
         </p:nvSpPr>
         <p:spPr>
           <a:xfrm>
-            <a:off x="3733800" y="6705600"/>
-            <a:ext cx="1143000" cy="381000"/>
+            <a:off x="3657600" y="6705600"/>
+            <a:ext cx="1219200" cy="381000"/>
           </a:xfrm>
           <a:prstGeom prst="rect">
             <a:avLst/>
@@ -5084,7 +5084,7 @@
             <a:pPr algn="ctr"/>
             <a:r>
               <a:rPr lang="en-US" sz="1500" dirty="0" smtClean="0"/>
-              <a:t>00-build</a:t>
+              <a:t>02-setting-up-a-project</a:t>
             </a:r>
             <a:endParaRPr lang="en-US" sz="1500" dirty="0"/>
           </a:p>
